--- a/Analyse/Hugo/Support Revue 0 Hugo.pptx
+++ b/Analyse/Hugo/Support Revue 0 Hugo.pptx
@@ -7,13 +7,14 @@
   <p:sldIdLst>
     <p:sldId id="256" r:id="rId2"/>
     <p:sldId id="257" r:id="rId3"/>
-    <p:sldId id="258" r:id="rId4"/>
+    <p:sldId id="263" r:id="rId4"/>
     <p:sldId id="259" r:id="rId5"/>
     <p:sldId id="260" r:id="rId6"/>
     <p:sldId id="261" r:id="rId7"/>
-    <p:sldId id="262" r:id="rId8"/>
-    <p:sldId id="263" r:id="rId9"/>
+    <p:sldId id="258" r:id="rId8"/>
+    <p:sldId id="262" r:id="rId9"/>
     <p:sldId id="264" r:id="rId10"/>
+    <p:sldId id="265" r:id="rId11"/>
   </p:sldIdLst>
   <p:sldSz cx="12192000" cy="6858000"/>
   <p:notesSz cx="6858000" cy="9144000"/>
@@ -112,6 +113,11 @@
       </a:defRPr>
     </a:lvl9pPr>
   </p:defaultTextStyle>
+  <p:extLst>
+    <p:ext uri="{EFAFB233-063F-42B5-8137-9DF3F51BA10A}">
+      <p15:sldGuideLst xmlns:p15="http://schemas.microsoft.com/office/powerpoint/2012/main"/>
+    </p:ext>
+  </p:extLst>
 </p:presentation>
 </file>
 
@@ -210,7 +216,7 @@
           <a:effectLst/>
           <a:extLst>
             <a:ext uri="{91240B29-F687-4f45-9708-019B960494DF}">
-              <a14:hiddenLine xmlns:a14="http://schemas.microsoft.com/office/drawing/2010/main" xmlns="" w="9525">
+              <a14:hiddenLine xmlns="" xmlns:a14="http://schemas.microsoft.com/office/drawing/2010/main" w="9525">
                 <a:solidFill>
                   <a:srgbClr val="000000"/>
                 </a:solidFill>
@@ -402,7 +408,7 @@
           <a:p>
             <a:fld id="{EEC496E0-85D6-4C9F-B8AF-FD07868676CE}" type="datetimeFigureOut">
               <a:rPr lang="fr-FR" smtClean="0"/>
-              <a:t>02/03/2022</a:t>
+              <a:t>03/03/2022</a:t>
             </a:fld>
             <a:endParaRPr lang="fr-FR"/>
           </a:p>
@@ -460,13 +466,13 @@
   <p:clrMapOvr>
     <a:masterClrMapping/>
   </p:clrMapOvr>
-  <mc:AlternateContent xmlns:mc="http://schemas.openxmlformats.org/markup-compatibility/2006">
-    <mc:Choice xmlns:p14="http://schemas.microsoft.com/office/powerpoint/2010/main" Requires="p14">
+  <mc:AlternateContent xmlns:mc="http://schemas.openxmlformats.org/markup-compatibility/2006" xmlns:p14="http://schemas.microsoft.com/office/powerpoint/2010/main">
+    <mc:Choice Requires="p14">
       <p:transition spd="slow" p14:dur="3400">
         <p14:reveal/>
       </p:transition>
     </mc:Choice>
-    <mc:Fallback>
+    <mc:Fallback xmlns="">
       <p:transition spd="slow">
         <p:fade/>
       </p:transition>
@@ -732,7 +738,7 @@
           <a:p>
             <a:fld id="{EEC496E0-85D6-4C9F-B8AF-FD07868676CE}" type="datetimeFigureOut">
               <a:rPr lang="fr-FR" smtClean="0"/>
-              <a:t>02/03/2022</a:t>
+              <a:t>03/03/2022</a:t>
             </a:fld>
             <a:endParaRPr lang="fr-FR"/>
           </a:p>
@@ -790,13 +796,13 @@
   <p:clrMapOvr>
     <a:masterClrMapping/>
   </p:clrMapOvr>
-  <mc:AlternateContent xmlns:mc="http://schemas.openxmlformats.org/markup-compatibility/2006">
-    <mc:Choice xmlns:p14="http://schemas.microsoft.com/office/powerpoint/2010/main" Requires="p14">
+  <mc:AlternateContent xmlns:mc="http://schemas.openxmlformats.org/markup-compatibility/2006" xmlns:p14="http://schemas.microsoft.com/office/powerpoint/2010/main">
+    <mc:Choice Requires="p14">
       <p:transition spd="slow" p14:dur="3400">
         <p14:reveal/>
       </p:transition>
     </mc:Choice>
-    <mc:Fallback>
+    <mc:Fallback xmlns="">
       <p:transition spd="slow">
         <p:fade/>
       </p:transition>
@@ -1232,7 +1238,7 @@
           <a:p>
             <a:fld id="{EEC496E0-85D6-4C9F-B8AF-FD07868676CE}" type="datetimeFigureOut">
               <a:rPr lang="fr-FR" smtClean="0"/>
-              <a:t>02/03/2022</a:t>
+              <a:t>03/03/2022</a:t>
             </a:fld>
             <a:endParaRPr lang="fr-FR"/>
           </a:p>
@@ -1290,13 +1296,13 @@
   <p:clrMapOvr>
     <a:masterClrMapping/>
   </p:clrMapOvr>
-  <mc:AlternateContent xmlns:mc="http://schemas.openxmlformats.org/markup-compatibility/2006">
-    <mc:Choice xmlns:p14="http://schemas.microsoft.com/office/powerpoint/2010/main" Requires="p14">
+  <mc:AlternateContent xmlns:mc="http://schemas.openxmlformats.org/markup-compatibility/2006" xmlns:p14="http://schemas.microsoft.com/office/powerpoint/2010/main">
+    <mc:Choice Requires="p14">
       <p:transition spd="slow" p14:dur="3400">
         <p14:reveal/>
       </p:transition>
     </mc:Choice>
-    <mc:Fallback>
+    <mc:Fallback xmlns="">
       <p:transition spd="slow">
         <p:fade/>
       </p:transition>
@@ -1613,7 +1619,7 @@
           <a:p>
             <a:fld id="{EEC496E0-85D6-4C9F-B8AF-FD07868676CE}" type="datetimeFigureOut">
               <a:rPr lang="fr-FR" smtClean="0"/>
-              <a:t>02/03/2022</a:t>
+              <a:t>03/03/2022</a:t>
             </a:fld>
             <a:endParaRPr lang="fr-FR"/>
           </a:p>
@@ -1671,13 +1677,13 @@
   <p:clrMapOvr>
     <a:masterClrMapping/>
   </p:clrMapOvr>
-  <mc:AlternateContent xmlns:mc="http://schemas.openxmlformats.org/markup-compatibility/2006">
-    <mc:Choice xmlns:p14="http://schemas.microsoft.com/office/powerpoint/2010/main" Requires="p14">
+  <mc:AlternateContent xmlns:mc="http://schemas.openxmlformats.org/markup-compatibility/2006" xmlns:p14="http://schemas.microsoft.com/office/powerpoint/2010/main">
+    <mc:Choice Requires="p14">
       <p:transition spd="slow" p14:dur="3400">
         <p14:reveal/>
       </p:transition>
     </mc:Choice>
-    <mc:Fallback>
+    <mc:Fallback xmlns="">
       <p:transition spd="slow">
         <p:fade/>
       </p:transition>
@@ -1780,7 +1786,7 @@
           <a:ln/>
           <a:extLst>
             <a:ext uri="{91240B29-F687-4f45-9708-019B960494DF}">
-              <a14:hiddenLine xmlns:a14="http://schemas.microsoft.com/office/drawing/2010/main" xmlns="" w="9525">
+              <a14:hiddenLine xmlns="" xmlns:a14="http://schemas.microsoft.com/office/drawing/2010/main" w="9525">
                 <a:solidFill>
                   <a:srgbClr val="000000"/>
                 </a:solidFill>
@@ -1898,7 +1904,7 @@
           <a:p>
             <a:fld id="{EEC496E0-85D6-4C9F-B8AF-FD07868676CE}" type="datetimeFigureOut">
               <a:rPr lang="fr-FR" smtClean="0"/>
-              <a:t>02/03/2022</a:t>
+              <a:t>03/03/2022</a:t>
             </a:fld>
             <a:endParaRPr lang="fr-FR"/>
           </a:p>
@@ -1956,13 +1962,13 @@
   <p:clrMapOvr>
     <a:masterClrMapping/>
   </p:clrMapOvr>
-  <mc:AlternateContent xmlns:mc="http://schemas.openxmlformats.org/markup-compatibility/2006">
-    <mc:Choice xmlns:p14="http://schemas.microsoft.com/office/powerpoint/2010/main" Requires="p14">
+  <mc:AlternateContent xmlns:mc="http://schemas.openxmlformats.org/markup-compatibility/2006" xmlns:p14="http://schemas.microsoft.com/office/powerpoint/2010/main">
+    <mc:Choice Requires="p14">
       <p:transition spd="slow" p14:dur="3400">
         <p14:reveal/>
       </p:transition>
     </mc:Choice>
-    <mc:Fallback>
+    <mc:Fallback xmlns="">
       <p:transition spd="slow">
         <p:fade/>
       </p:transition>
@@ -2067,7 +2073,7 @@
           <a:ln/>
           <a:extLst>
             <a:ext uri="{91240B29-F687-4f45-9708-019B960494DF}">
-              <a14:hiddenLine xmlns:a14="http://schemas.microsoft.com/office/drawing/2010/main" xmlns="" w="9525">
+              <a14:hiddenLine xmlns="" xmlns:a14="http://schemas.microsoft.com/office/drawing/2010/main" w="9525">
                 <a:solidFill>
                   <a:srgbClr val="000000"/>
                 </a:solidFill>
@@ -2195,7 +2201,7 @@
           <a:p>
             <a:fld id="{EEC496E0-85D6-4C9F-B8AF-FD07868676CE}" type="datetimeFigureOut">
               <a:rPr lang="fr-FR" smtClean="0"/>
-              <a:t>02/03/2022</a:t>
+              <a:t>03/03/2022</a:t>
             </a:fld>
             <a:endParaRPr lang="fr-FR"/>
           </a:p>
@@ -2253,13 +2259,13 @@
   <p:clrMapOvr>
     <a:masterClrMapping/>
   </p:clrMapOvr>
-  <mc:AlternateContent xmlns:mc="http://schemas.openxmlformats.org/markup-compatibility/2006">
-    <mc:Choice xmlns:p14="http://schemas.microsoft.com/office/powerpoint/2010/main" Requires="p14">
+  <mc:AlternateContent xmlns:mc="http://schemas.openxmlformats.org/markup-compatibility/2006" xmlns:p14="http://schemas.microsoft.com/office/powerpoint/2010/main">
+    <mc:Choice Requires="p14">
       <p:transition spd="slow" p14:dur="3400">
         <p14:reveal/>
       </p:transition>
     </mc:Choice>
-    <mc:Fallback>
+    <mc:Fallback xmlns="">
       <p:transition spd="slow">
         <p:fade/>
       </p:transition>
@@ -2362,7 +2368,7 @@
           <a:ln/>
           <a:extLst>
             <a:ext uri="{91240B29-F687-4f45-9708-019B960494DF}">
-              <a14:hiddenLine xmlns:a14="http://schemas.microsoft.com/office/drawing/2010/main" xmlns="" w="9525">
+              <a14:hiddenLine xmlns="" xmlns:a14="http://schemas.microsoft.com/office/drawing/2010/main" w="9525">
                 <a:solidFill>
                   <a:srgbClr val="000000"/>
                 </a:solidFill>
@@ -2490,7 +2496,7 @@
           <a:p>
             <a:fld id="{EEC496E0-85D6-4C9F-B8AF-FD07868676CE}" type="datetimeFigureOut">
               <a:rPr lang="fr-FR" smtClean="0"/>
-              <a:t>02/03/2022</a:t>
+              <a:t>03/03/2022</a:t>
             </a:fld>
             <a:endParaRPr lang="fr-FR"/>
           </a:p>
@@ -2548,13 +2554,13 @@
   <p:clrMapOvr>
     <a:masterClrMapping/>
   </p:clrMapOvr>
-  <mc:AlternateContent xmlns:mc="http://schemas.openxmlformats.org/markup-compatibility/2006">
-    <mc:Choice xmlns:p14="http://schemas.microsoft.com/office/powerpoint/2010/main" Requires="p14">
+  <mc:AlternateContent xmlns:mc="http://schemas.openxmlformats.org/markup-compatibility/2006" xmlns:p14="http://schemas.microsoft.com/office/powerpoint/2010/main">
+    <mc:Choice Requires="p14">
       <p:transition spd="slow" p14:dur="3400">
         <p14:reveal/>
       </p:transition>
     </mc:Choice>
-    <mc:Fallback>
+    <mc:Fallback xmlns="">
       <p:transition spd="slow">
         <p:fade/>
       </p:transition>
@@ -2845,7 +2851,7 @@
           <a:p>
             <a:fld id="{EEC496E0-85D6-4C9F-B8AF-FD07868676CE}" type="datetimeFigureOut">
               <a:rPr lang="fr-FR" smtClean="0"/>
-              <a:t>02/03/2022</a:t>
+              <a:t>03/03/2022</a:t>
             </a:fld>
             <a:endParaRPr lang="fr-FR"/>
           </a:p>
@@ -2903,13 +2909,13 @@
   <p:clrMapOvr>
     <a:masterClrMapping/>
   </p:clrMapOvr>
-  <mc:AlternateContent xmlns:mc="http://schemas.openxmlformats.org/markup-compatibility/2006">
-    <mc:Choice xmlns:p14="http://schemas.microsoft.com/office/powerpoint/2010/main" Requires="p14">
+  <mc:AlternateContent xmlns:mc="http://schemas.openxmlformats.org/markup-compatibility/2006" xmlns:p14="http://schemas.microsoft.com/office/powerpoint/2010/main">
+    <mc:Choice Requires="p14">
       <p:transition spd="slow" p14:dur="3400">
         <p14:reveal/>
       </p:transition>
     </mc:Choice>
-    <mc:Fallback>
+    <mc:Fallback xmlns="">
       <p:transition spd="slow">
         <p:fade/>
       </p:transition>
@@ -3012,7 +3018,7 @@
           <a:ln/>
           <a:extLst>
             <a:ext uri="{91240B29-F687-4f45-9708-019B960494DF}">
-              <a14:hiddenLine xmlns:a14="http://schemas.microsoft.com/office/drawing/2010/main" xmlns="" w="9525">
+              <a14:hiddenLine xmlns="" xmlns:a14="http://schemas.microsoft.com/office/drawing/2010/main" w="9525">
                 <a:solidFill>
                   <a:srgbClr val="000000"/>
                 </a:solidFill>
@@ -3196,7 +3202,7 @@
           <a:p>
             <a:fld id="{EEC496E0-85D6-4C9F-B8AF-FD07868676CE}" type="datetimeFigureOut">
               <a:rPr lang="fr-FR" smtClean="0"/>
-              <a:t>02/03/2022</a:t>
+              <a:t>03/03/2022</a:t>
             </a:fld>
             <a:endParaRPr lang="fr-FR"/>
           </a:p>
@@ -3254,13 +3260,13 @@
   <p:clrMapOvr>
     <a:masterClrMapping/>
   </p:clrMapOvr>
-  <mc:AlternateContent xmlns:mc="http://schemas.openxmlformats.org/markup-compatibility/2006">
-    <mc:Choice xmlns:p14="http://schemas.microsoft.com/office/powerpoint/2010/main" Requires="p14">
+  <mc:AlternateContent xmlns:mc="http://schemas.openxmlformats.org/markup-compatibility/2006" xmlns:p14="http://schemas.microsoft.com/office/powerpoint/2010/main">
+    <mc:Choice Requires="p14">
       <p:transition spd="slow" p14:dur="3400">
         <p14:reveal/>
       </p:transition>
     </mc:Choice>
-    <mc:Fallback>
+    <mc:Fallback xmlns="">
       <p:transition spd="slow">
         <p:fade/>
       </p:transition>
@@ -3363,7 +3369,7 @@
           <a:ln/>
           <a:extLst>
             <a:ext uri="{91240B29-F687-4f45-9708-019B960494DF}">
-              <a14:hiddenLine xmlns:a14="http://schemas.microsoft.com/office/drawing/2010/main" xmlns="" w="9525">
+              <a14:hiddenLine xmlns="" xmlns:a14="http://schemas.microsoft.com/office/drawing/2010/main" w="9525">
                 <a:solidFill>
                   <a:srgbClr val="000000"/>
                 </a:solidFill>
@@ -3685,7 +3691,7 @@
           <a:p>
             <a:fld id="{EEC496E0-85D6-4C9F-B8AF-FD07868676CE}" type="datetimeFigureOut">
               <a:rPr lang="fr-FR" smtClean="0"/>
-              <a:t>02/03/2022</a:t>
+              <a:t>03/03/2022</a:t>
             </a:fld>
             <a:endParaRPr lang="fr-FR"/>
           </a:p>
@@ -3743,13 +3749,13 @@
   <p:clrMapOvr>
     <a:masterClrMapping/>
   </p:clrMapOvr>
-  <mc:AlternateContent xmlns:mc="http://schemas.openxmlformats.org/markup-compatibility/2006">
-    <mc:Choice xmlns:p14="http://schemas.microsoft.com/office/powerpoint/2010/main" Requires="p14">
+  <mc:AlternateContent xmlns:mc="http://schemas.openxmlformats.org/markup-compatibility/2006" xmlns:p14="http://schemas.microsoft.com/office/powerpoint/2010/main">
+    <mc:Choice Requires="p14">
       <p:transition spd="slow" p14:dur="3400">
         <p14:reveal/>
       </p:transition>
     </mc:Choice>
-    <mc:Fallback>
+    <mc:Fallback xmlns="">
       <p:transition spd="slow">
         <p:fade/>
       </p:transition>
@@ -3852,7 +3858,7 @@
           <a:ln/>
           <a:extLst>
             <a:ext uri="{91240B29-F687-4f45-9708-019B960494DF}">
-              <a14:hiddenLine xmlns:a14="http://schemas.microsoft.com/office/drawing/2010/main" xmlns="" w="9525">
+              <a14:hiddenLine xmlns="" xmlns:a14="http://schemas.microsoft.com/office/drawing/2010/main" w="9525">
                 <a:solidFill>
                   <a:srgbClr val="000000"/>
                 </a:solidFill>
@@ -3918,7 +3924,7 @@
           <a:p>
             <a:fld id="{EEC496E0-85D6-4C9F-B8AF-FD07868676CE}" type="datetimeFigureOut">
               <a:rPr lang="fr-FR" smtClean="0"/>
-              <a:t>02/03/2022</a:t>
+              <a:t>03/03/2022</a:t>
             </a:fld>
             <a:endParaRPr lang="fr-FR"/>
           </a:p>
@@ -3976,13 +3982,13 @@
   <p:clrMapOvr>
     <a:masterClrMapping/>
   </p:clrMapOvr>
-  <mc:AlternateContent xmlns:mc="http://schemas.openxmlformats.org/markup-compatibility/2006">
-    <mc:Choice xmlns:p14="http://schemas.microsoft.com/office/powerpoint/2010/main" Requires="p14">
+  <mc:AlternateContent xmlns:mc="http://schemas.openxmlformats.org/markup-compatibility/2006" xmlns:p14="http://schemas.microsoft.com/office/powerpoint/2010/main">
+    <mc:Choice Requires="p14">
       <p:transition spd="slow" p14:dur="3400">
         <p14:reveal/>
       </p:transition>
     </mc:Choice>
-    <mc:Fallback>
+    <mc:Fallback xmlns="">
       <p:transition spd="slow">
         <p:fade/>
       </p:transition>
@@ -4025,7 +4031,7 @@
           <a:p>
             <a:fld id="{EEC496E0-85D6-4C9F-B8AF-FD07868676CE}" type="datetimeFigureOut">
               <a:rPr lang="fr-FR" smtClean="0"/>
-              <a:t>02/03/2022</a:t>
+              <a:t>03/03/2022</a:t>
             </a:fld>
             <a:endParaRPr lang="fr-FR"/>
           </a:p>
@@ -4083,13 +4089,13 @@
   <p:clrMapOvr>
     <a:masterClrMapping/>
   </p:clrMapOvr>
-  <mc:AlternateContent xmlns:mc="http://schemas.openxmlformats.org/markup-compatibility/2006">
-    <mc:Choice xmlns:p14="http://schemas.microsoft.com/office/powerpoint/2010/main" Requires="p14">
+  <mc:AlternateContent xmlns:mc="http://schemas.openxmlformats.org/markup-compatibility/2006" xmlns:p14="http://schemas.microsoft.com/office/powerpoint/2010/main">
+    <mc:Choice Requires="p14">
       <p:transition spd="slow" p14:dur="3400">
         <p14:reveal/>
       </p:transition>
     </mc:Choice>
-    <mc:Fallback>
+    <mc:Fallback xmlns="">
       <p:transition spd="slow">
         <p:fade/>
       </p:transition>
@@ -4305,7 +4311,7 @@
           <a:ln/>
           <a:extLst>
             <a:ext uri="{91240B29-F687-4f45-9708-019B960494DF}">
-              <a14:hiddenLine xmlns:a14="http://schemas.microsoft.com/office/drawing/2010/main" xmlns="" w="9525">
+              <a14:hiddenLine xmlns="" xmlns:a14="http://schemas.microsoft.com/office/drawing/2010/main" w="9525">
                 <a:solidFill>
                   <a:srgbClr val="000000"/>
                 </a:solidFill>
@@ -4504,7 +4510,7 @@
           <a:p>
             <a:fld id="{EEC496E0-85D6-4C9F-B8AF-FD07868676CE}" type="datetimeFigureOut">
               <a:rPr lang="fr-FR" smtClean="0"/>
-              <a:t>02/03/2022</a:t>
+              <a:t>03/03/2022</a:t>
             </a:fld>
             <a:endParaRPr lang="fr-FR"/>
           </a:p>
@@ -4562,13 +4568,13 @@
   <p:clrMapOvr>
     <a:masterClrMapping/>
   </p:clrMapOvr>
-  <mc:AlternateContent xmlns:mc="http://schemas.openxmlformats.org/markup-compatibility/2006">
-    <mc:Choice xmlns:p14="http://schemas.microsoft.com/office/powerpoint/2010/main" Requires="p14">
+  <mc:AlternateContent xmlns:mc="http://schemas.openxmlformats.org/markup-compatibility/2006" xmlns:p14="http://schemas.microsoft.com/office/powerpoint/2010/main">
+    <mc:Choice Requires="p14">
       <p:transition spd="slow" p14:dur="3400">
         <p14:reveal/>
       </p:transition>
     </mc:Choice>
-    <mc:Fallback>
+    <mc:Fallback xmlns="">
       <p:transition spd="slow">
         <p:fade/>
       </p:transition>
@@ -4829,7 +4835,7 @@
           <a:p>
             <a:fld id="{EEC496E0-85D6-4C9F-B8AF-FD07868676CE}" type="datetimeFigureOut">
               <a:rPr lang="fr-FR" smtClean="0"/>
-              <a:t>02/03/2022</a:t>
+              <a:t>03/03/2022</a:t>
             </a:fld>
             <a:endParaRPr lang="fr-FR"/>
           </a:p>
@@ -4897,13 +4903,13 @@
   <p:clrMapOvr>
     <a:masterClrMapping/>
   </p:clrMapOvr>
-  <mc:AlternateContent xmlns:mc="http://schemas.openxmlformats.org/markup-compatibility/2006">
-    <mc:Choice xmlns:p14="http://schemas.microsoft.com/office/powerpoint/2010/main" Requires="p14">
+  <mc:AlternateContent xmlns:mc="http://schemas.openxmlformats.org/markup-compatibility/2006" xmlns:p14="http://schemas.microsoft.com/office/powerpoint/2010/main">
+    <mc:Choice Requires="p14">
       <p:transition spd="slow" p14:dur="3400">
         <p14:reveal/>
       </p:transition>
     </mc:Choice>
-    <mc:Fallback>
+    <mc:Fallback xmlns="">
       <p:transition spd="slow">
         <p:fade/>
       </p:transition>
@@ -5111,7 +5117,7 @@
           <a:p>
             <a:fld id="{EEC496E0-85D6-4C9F-B8AF-FD07868676CE}" type="datetimeFigureOut">
               <a:rPr lang="fr-FR" smtClean="0"/>
-              <a:t>02/03/2022</a:t>
+              <a:t>03/03/2022</a:t>
             </a:fld>
             <a:endParaRPr lang="fr-FR"/>
           </a:p>
@@ -5180,13 +5186,13 @@
     <p:sldLayoutId id="2147483673" r:id="rId13"/>
     <p:sldLayoutId id="2147483674" r:id="rId14"/>
   </p:sldLayoutIdLst>
-  <mc:AlternateContent xmlns:mc="http://schemas.openxmlformats.org/markup-compatibility/2006">
-    <mc:Choice xmlns:p14="http://schemas.microsoft.com/office/powerpoint/2010/main" Requires="p14">
+  <mc:AlternateContent xmlns:mc="http://schemas.openxmlformats.org/markup-compatibility/2006" xmlns:p14="http://schemas.microsoft.com/office/powerpoint/2010/main">
+    <mc:Choice Requires="p14">
       <p:transition spd="slow" p14:dur="3400">
         <p14:reveal/>
       </p:transition>
     </mc:Choice>
-    <mc:Fallback>
+    <mc:Fallback xmlns="">
       <p:transition spd="slow">
         <p:fade/>
       </p:transition>
@@ -5693,13 +5699,113 @@
   <p:clrMapOvr>
     <a:masterClrMapping/>
   </p:clrMapOvr>
-  <mc:AlternateContent xmlns:mc="http://schemas.openxmlformats.org/markup-compatibility/2006">
-    <mc:Choice xmlns:p14="http://schemas.microsoft.com/office/powerpoint/2010/main" Requires="p14">
+  <mc:AlternateContent xmlns:mc="http://schemas.openxmlformats.org/markup-compatibility/2006" xmlns:p14="http://schemas.microsoft.com/office/powerpoint/2010/main">
+    <mc:Choice Requires="p14">
       <p:transition spd="slow" p14:dur="3400">
         <p14:reveal/>
       </p:transition>
     </mc:Choice>
-    <mc:Fallback>
+    <mc:Fallback xmlns="">
+      <p:transition spd="slow">
+        <p:fade/>
+      </p:transition>
+    </mc:Fallback>
+  </mc:AlternateContent>
+</p:sld>
+</file>
+
+<file path=ppt/slides/slide10.xml><?xml version="1.0" encoding="utf-8"?>
+<p:sld xmlns:a="http://schemas.openxmlformats.org/drawingml/2006/main" xmlns:r="http://schemas.openxmlformats.org/officeDocument/2006/relationships" xmlns:p="http://schemas.openxmlformats.org/presentationml/2006/main">
+  <p:cSld>
+    <p:spTree>
+      <p:nvGrpSpPr>
+        <p:cNvPr id="1" name=""/>
+        <p:cNvGrpSpPr/>
+        <p:nvPr/>
+      </p:nvGrpSpPr>
+      <p:grpSpPr>
+        <a:xfrm>
+          <a:off x="0" y="0"/>
+          <a:ext cx="0" cy="0"/>
+          <a:chOff x="0" y="0"/>
+          <a:chExt cx="0" cy="0"/>
+        </a:xfrm>
+      </p:grpSpPr>
+      <p:sp>
+        <p:nvSpPr>
+          <p:cNvPr id="2" name="Titre 1">
+            <a:extLst>
+              <a:ext uri="{FF2B5EF4-FFF2-40B4-BE49-F238E27FC236}">
+                <a16:creationId xmlns:a16="http://schemas.microsoft.com/office/drawing/2014/main" id="{147BC163-2714-4B4F-93C8-D954013105CB}"/>
+              </a:ext>
+            </a:extLst>
+          </p:cNvPr>
+          <p:cNvSpPr>
+            <a:spLocks noGrp="1"/>
+          </p:cNvSpPr>
+          <p:nvPr>
+            <p:ph type="title"/>
+          </p:nvPr>
+        </p:nvSpPr>
+        <p:spPr/>
+        <p:txBody>
+          <a:bodyPr/>
+          <a:lstStyle/>
+          <a:p>
+            <a:r>
+              <a:rPr lang="fr-FR" dirty="0"/>
+              <a:t>Diagramme d’utilisation</a:t>
+            </a:r>
+          </a:p>
+        </p:txBody>
+      </p:sp>
+      <p:pic>
+        <p:nvPicPr>
+          <p:cNvPr id="4" name="Image 3">
+            <a:extLst>
+              <a:ext uri="{FF2B5EF4-FFF2-40B4-BE49-F238E27FC236}">
+                <a16:creationId xmlns:a16="http://schemas.microsoft.com/office/drawing/2014/main" id="{4BF8E160-EA7E-4123-A227-5287D52008D7}"/>
+              </a:ext>
+            </a:extLst>
+          </p:cNvPr>
+          <p:cNvPicPr>
+            <a:picLocks noChangeAspect="1"/>
+          </p:cNvPicPr>
+          <p:nvPr/>
+        </p:nvPicPr>
+        <p:blipFill>
+          <a:blip r:embed="rId2"/>
+          <a:stretch>
+            <a:fillRect/>
+          </a:stretch>
+        </p:blipFill>
+        <p:spPr>
+          <a:xfrm>
+            <a:off x="987651" y="2288677"/>
+            <a:ext cx="10394347" cy="4394478"/>
+          </a:xfrm>
+          <a:prstGeom prst="rect">
+            <a:avLst/>
+          </a:prstGeom>
+        </p:spPr>
+      </p:pic>
+    </p:spTree>
+    <p:extLst>
+      <p:ext uri="{BB962C8B-B14F-4D97-AF65-F5344CB8AC3E}">
+        <p14:creationId xmlns:p14="http://schemas.microsoft.com/office/powerpoint/2010/main" val="775337358"/>
+      </p:ext>
+    </p:extLst>
+  </p:cSld>
+  <p:clrMapOvr>
+    <a:masterClrMapping/>
+  </p:clrMapOvr>
+  <mc:AlternateContent xmlns:mc="http://schemas.openxmlformats.org/markup-compatibility/2006" xmlns:p14="http://schemas.microsoft.com/office/powerpoint/2010/main">
+    <mc:Choice Requires="p14">
+      <p:transition spd="slow" p14:dur="3400">
+        <p14:reveal/>
+      </p:transition>
+    </mc:Choice>
+    <mc:Fallback xmlns="">
       <p:transition spd="slow">
         <p:fade/>
       </p:transition>
@@ -5793,13 +5899,13 @@
   <p:clrMapOvr>
     <a:masterClrMapping/>
   </p:clrMapOvr>
-  <mc:AlternateContent xmlns:mc="http://schemas.openxmlformats.org/markup-compatibility/2006">
-    <mc:Choice xmlns:p14="http://schemas.microsoft.com/office/powerpoint/2010/main" Requires="p14">
+  <mc:AlternateContent xmlns:mc="http://schemas.openxmlformats.org/markup-compatibility/2006" xmlns:p14="http://schemas.microsoft.com/office/powerpoint/2010/main">
+    <mc:Choice Requires="p14">
       <p:transition spd="slow" p14:dur="3400">
         <p14:reveal/>
       </p:transition>
     </mc:Choice>
-    <mc:Fallback>
+    <mc:Fallback xmlns="">
       <p:transition spd="slow">
         <p:fade/>
       </p:transition>
@@ -5827,10 +5933,10 @@
       </p:grpSpPr>
       <p:sp>
         <p:nvSpPr>
-          <p:cNvPr id="9" name="Titre 8">
+          <p:cNvPr id="2" name="Titre 1">
             <a:extLst>
               <a:ext uri="{FF2B5EF4-FFF2-40B4-BE49-F238E27FC236}">
-                <a16:creationId xmlns:a16="http://schemas.microsoft.com/office/drawing/2014/main" id="{B49C79B1-18E1-4FE9-8F01-A900E84C7998}"/>
+                <a16:creationId xmlns:a16="http://schemas.microsoft.com/office/drawing/2014/main" id="{DD7C8BFF-90A8-4CB7-960B-63DF46971334}"/>
               </a:ext>
             </a:extLst>
           </p:cNvPr>
@@ -5848,74 +5954,17 @@
           <a:p>
             <a:r>
               <a:rPr lang="fr-FR" dirty="0"/>
-              <a:t>Exigences du projet</a:t>
-            </a:r>
-          </a:p>
-        </p:txBody>
-      </p:sp>
-      <p:sp>
-        <p:nvSpPr>
-          <p:cNvPr id="14" name="Espace réservé du contenu 13">
+              <a:t>Diagramme d’exigence du projet</a:t>
+            </a:r>
+          </a:p>
+        </p:txBody>
+      </p:sp>
+      <p:pic>
+        <p:nvPicPr>
+          <p:cNvPr id="7" name="Image 6">
             <a:extLst>
               <a:ext uri="{FF2B5EF4-FFF2-40B4-BE49-F238E27FC236}">
-                <a16:creationId xmlns:a16="http://schemas.microsoft.com/office/drawing/2014/main" id="{C17E18AE-D987-4752-B927-761C76CEE1AF}"/>
-              </a:ext>
-            </a:extLst>
-          </p:cNvPr>
-          <p:cNvSpPr>
-            <a:spLocks noGrp="1"/>
-          </p:cNvSpPr>
-          <p:nvPr>
-            <p:ph idx="1"/>
-          </p:nvPr>
-        </p:nvSpPr>
-        <p:spPr>
-          <a:xfrm>
-            <a:off x="1073151" y="2548467"/>
-            <a:ext cx="3547533" cy="3541184"/>
-          </a:xfrm>
-        </p:spPr>
-        <p:txBody>
-          <a:bodyPr/>
-          <a:lstStyle/>
-          <a:p>
-            <a:r>
-              <a:rPr lang="fr-FR" dirty="0"/>
-              <a:t>Récupérer les affaires en cours dans la BDD</a:t>
-            </a:r>
-          </a:p>
-          <a:p>
-            <a:r>
-              <a:rPr lang="fr-FR" dirty="0"/>
-              <a:t>Chargement de la BDD</a:t>
-            </a:r>
-          </a:p>
-          <a:p>
-            <a:r>
-              <a:rPr lang="fr-FR" dirty="0"/>
-              <a:t>Création de la liste des essais</a:t>
-            </a:r>
-          </a:p>
-          <a:p>
-            <a:r>
-              <a:rPr lang="fr-FR" dirty="0"/>
-              <a:t>Validation d’un essai</a:t>
-            </a:r>
-          </a:p>
-          <a:p>
-            <a:r>
-              <a:rPr lang="fr-FR" dirty="0"/>
-              <a:t>Gestion des listes d’essais</a:t>
-            </a:r>
-          </a:p>
-        </p:txBody>
-      </p:sp>
-      <p:pic>
-        <p:nvPicPr>
-          <p:cNvPr id="19" name="Image 18">
-            <a:extLst>
-              <a:ext uri="{FF2B5EF4-FFF2-40B4-BE49-F238E27FC236}">
-                <a16:creationId xmlns:a16="http://schemas.microsoft.com/office/drawing/2014/main" id="{C21E28EC-4EC7-4C9A-BC60-D53A63CE83A3}"/>
+                <a16:creationId xmlns:a16="http://schemas.microsoft.com/office/drawing/2014/main" id="{26621F93-1236-4C44-9C64-AE35645E9CAF}"/>
               </a:ext>
             </a:extLst>
           </p:cNvPr>
@@ -5932,8 +5981,8 @@
         </p:blipFill>
         <p:spPr>
           <a:xfrm>
-            <a:off x="5386782" y="793222"/>
-            <a:ext cx="6169692" cy="5116512"/>
+            <a:off x="88837" y="2755550"/>
+            <a:ext cx="12014324" cy="3280835"/>
           </a:xfrm>
           <a:prstGeom prst="rect">
             <a:avLst/>
@@ -5943,20 +5992,20 @@
     </p:spTree>
     <p:extLst>
       <p:ext uri="{BB962C8B-B14F-4D97-AF65-F5344CB8AC3E}">
-        <p14:creationId xmlns:p14="http://schemas.microsoft.com/office/powerpoint/2010/main" val="3346907511"/>
+        <p14:creationId xmlns:p14="http://schemas.microsoft.com/office/powerpoint/2010/main" val="2289715854"/>
       </p:ext>
     </p:extLst>
   </p:cSld>
   <p:clrMapOvr>
     <a:masterClrMapping/>
   </p:clrMapOvr>
-  <mc:AlternateContent xmlns:mc="http://schemas.openxmlformats.org/markup-compatibility/2006">
-    <mc:Choice xmlns:p14="http://schemas.microsoft.com/office/powerpoint/2010/main" Requires="p14">
+  <mc:AlternateContent xmlns:mc="http://schemas.openxmlformats.org/markup-compatibility/2006" xmlns:p14="http://schemas.microsoft.com/office/powerpoint/2010/main">
+    <mc:Choice Requires="p14">
       <p:transition spd="slow" p14:dur="3400">
         <p14:reveal/>
       </p:transition>
     </mc:Choice>
-    <mc:Fallback>
+    <mc:Fallback xmlns="">
       <p:transition spd="slow">
         <p:fade/>
       </p:transition>
@@ -6052,13 +6101,13 @@
   <p:clrMapOvr>
     <a:masterClrMapping/>
   </p:clrMapOvr>
-  <mc:AlternateContent xmlns:mc="http://schemas.openxmlformats.org/markup-compatibility/2006">
-    <mc:Choice xmlns:p14="http://schemas.microsoft.com/office/powerpoint/2010/main" Requires="p14">
+  <mc:AlternateContent xmlns:mc="http://schemas.openxmlformats.org/markup-compatibility/2006" xmlns:p14="http://schemas.microsoft.com/office/powerpoint/2010/main">
+    <mc:Choice Requires="p14">
       <p:transition spd="slow" p14:dur="3400">
         <p14:reveal/>
       </p:transition>
     </mc:Choice>
-    <mc:Fallback>
+    <mc:Fallback xmlns="">
       <p:transition spd="slow">
         <p:fade/>
       </p:transition>
@@ -6154,13 +6203,13 @@
   <p:clrMapOvr>
     <a:masterClrMapping/>
   </p:clrMapOvr>
-  <mc:AlternateContent xmlns:mc="http://schemas.openxmlformats.org/markup-compatibility/2006">
-    <mc:Choice xmlns:p14="http://schemas.microsoft.com/office/powerpoint/2010/main" Requires="p14">
+  <mc:AlternateContent xmlns:mc="http://schemas.openxmlformats.org/markup-compatibility/2006" xmlns:p14="http://schemas.microsoft.com/office/powerpoint/2010/main">
+    <mc:Choice Requires="p14">
       <p:transition spd="slow" p14:dur="3400">
         <p14:reveal/>
       </p:transition>
     </mc:Choice>
-    <mc:Fallback>
+    <mc:Fallback xmlns="">
       <p:transition spd="slow">
         <p:fade/>
       </p:transition>
@@ -6208,8 +6257,8 @@
         </p:blipFill>
         <p:spPr>
           <a:xfrm>
-            <a:off x="225180" y="168205"/>
-            <a:ext cx="9506439" cy="2711589"/>
+            <a:off x="570694" y="1852978"/>
+            <a:ext cx="11050611" cy="3152044"/>
           </a:xfrm>
           <a:prstGeom prst="rect">
             <a:avLst/>
@@ -6226,13 +6275,13 @@
   <p:clrMapOvr>
     <a:masterClrMapping/>
   </p:clrMapOvr>
-  <mc:AlternateContent xmlns:mc="http://schemas.openxmlformats.org/markup-compatibility/2006">
-    <mc:Choice xmlns:p14="http://schemas.microsoft.com/office/powerpoint/2010/main" Requires="p14">
+  <mc:AlternateContent xmlns:mc="http://schemas.openxmlformats.org/markup-compatibility/2006" xmlns:p14="http://schemas.microsoft.com/office/powerpoint/2010/main">
+    <mc:Choice Requires="p14">
       <p:transition spd="slow" p14:dur="3400">
         <p14:reveal/>
       </p:transition>
     </mc:Choice>
-    <mc:Fallback>
+    <mc:Fallback xmlns="">
       <p:transition spd="slow">
         <p:fade/>
       </p:transition>
@@ -6242,6 +6291,106 @@
 </file>
 
 <file path=ppt/slides/slide7.xml><?xml version="1.0" encoding="utf-8"?>
+<p:sld xmlns:a="http://schemas.openxmlformats.org/drawingml/2006/main" xmlns:r="http://schemas.openxmlformats.org/officeDocument/2006/relationships" xmlns:p="http://schemas.openxmlformats.org/presentationml/2006/main">
+  <p:cSld>
+    <p:spTree>
+      <p:nvGrpSpPr>
+        <p:cNvPr id="1" name=""/>
+        <p:cNvGrpSpPr/>
+        <p:nvPr/>
+      </p:nvGrpSpPr>
+      <p:grpSpPr>
+        <a:xfrm>
+          <a:off x="0" y="0"/>
+          <a:ext cx="0" cy="0"/>
+          <a:chOff x="0" y="0"/>
+          <a:chExt cx="0" cy="0"/>
+        </a:xfrm>
+      </p:grpSpPr>
+      <p:sp>
+        <p:nvSpPr>
+          <p:cNvPr id="9" name="Titre 8">
+            <a:extLst>
+              <a:ext uri="{FF2B5EF4-FFF2-40B4-BE49-F238E27FC236}">
+                <a16:creationId xmlns:a16="http://schemas.microsoft.com/office/drawing/2014/main" id="{B49C79B1-18E1-4FE9-8F01-A900E84C7998}"/>
+              </a:ext>
+            </a:extLst>
+          </p:cNvPr>
+          <p:cNvSpPr>
+            <a:spLocks noGrp="1"/>
+          </p:cNvSpPr>
+          <p:nvPr>
+            <p:ph type="title"/>
+          </p:nvPr>
+        </p:nvSpPr>
+        <p:spPr/>
+        <p:txBody>
+          <a:bodyPr/>
+          <a:lstStyle/>
+          <a:p>
+            <a:r>
+              <a:rPr lang="fr-FR" dirty="0"/>
+              <a:t>Diagramme d’exigence</a:t>
+            </a:r>
+          </a:p>
+        </p:txBody>
+      </p:sp>
+      <p:pic>
+        <p:nvPicPr>
+          <p:cNvPr id="3" name="Image 2">
+            <a:extLst>
+              <a:ext uri="{FF2B5EF4-FFF2-40B4-BE49-F238E27FC236}">
+                <a16:creationId xmlns:a16="http://schemas.microsoft.com/office/drawing/2014/main" id="{172683FE-8A1B-4990-9410-DD1692194C57}"/>
+              </a:ext>
+            </a:extLst>
+          </p:cNvPr>
+          <p:cNvPicPr>
+            <a:picLocks noChangeAspect="1"/>
+          </p:cNvPicPr>
+          <p:nvPr/>
+        </p:nvPicPr>
+        <p:blipFill>
+          <a:blip r:embed="rId2"/>
+          <a:stretch>
+            <a:fillRect/>
+          </a:stretch>
+        </p:blipFill>
+        <p:spPr>
+          <a:xfrm>
+            <a:off x="810000" y="2296745"/>
+            <a:ext cx="10116603" cy="4379262"/>
+          </a:xfrm>
+          <a:prstGeom prst="rect">
+            <a:avLst/>
+          </a:prstGeom>
+        </p:spPr>
+      </p:pic>
+    </p:spTree>
+    <p:extLst>
+      <p:ext uri="{BB962C8B-B14F-4D97-AF65-F5344CB8AC3E}">
+        <p14:creationId xmlns:p14="http://schemas.microsoft.com/office/powerpoint/2010/main" val="3346907511"/>
+      </p:ext>
+    </p:extLst>
+  </p:cSld>
+  <p:clrMapOvr>
+    <a:masterClrMapping/>
+  </p:clrMapOvr>
+  <mc:AlternateContent xmlns:mc="http://schemas.openxmlformats.org/markup-compatibility/2006" xmlns:p14="http://schemas.microsoft.com/office/powerpoint/2010/main">
+    <mc:Choice Requires="p14">
+      <p:transition spd="slow" p14:dur="3400">
+        <p14:reveal/>
+      </p:transition>
+    </mc:Choice>
+    <mc:Fallback xmlns="">
+      <p:transition spd="slow">
+        <p:fade/>
+      </p:transition>
+    </mc:Fallback>
+  </mc:AlternateContent>
+</p:sld>
+</file>
+
+<file path=ppt/slides/slide8.xml><?xml version="1.0" encoding="utf-8"?>
 <p:sld xmlns:a="http://schemas.openxmlformats.org/drawingml/2006/main" xmlns:r="http://schemas.openxmlformats.org/officeDocument/2006/relationships" xmlns:p="http://schemas.openxmlformats.org/presentationml/2006/main">
   <p:cSld>
     <p:spTree>
@@ -6386,13 +6535,13 @@
   <p:clrMapOvr>
     <a:masterClrMapping/>
   </p:clrMapOvr>
-  <mc:AlternateContent xmlns:mc="http://schemas.openxmlformats.org/markup-compatibility/2006">
-    <mc:Choice xmlns:p14="http://schemas.microsoft.com/office/powerpoint/2010/main" Requires="p14">
+  <mc:AlternateContent xmlns:mc="http://schemas.openxmlformats.org/markup-compatibility/2006" xmlns:p14="http://schemas.microsoft.com/office/powerpoint/2010/main">
+    <mc:Choice Requires="p14">
       <p:transition spd="slow" p14:dur="3400">
         <p14:reveal/>
       </p:transition>
     </mc:Choice>
-    <mc:Fallback>
+    <mc:Fallback xmlns="">
       <p:transition spd="slow">
         <p:fade/>
       </p:transition>
@@ -6757,106 +6906,6 @@
 </p:sld>
 </file>
 
-<file path=ppt/slides/slide8.xml><?xml version="1.0" encoding="utf-8"?>
-<p:sld xmlns:a="http://schemas.openxmlformats.org/drawingml/2006/main" xmlns:r="http://schemas.openxmlformats.org/officeDocument/2006/relationships" xmlns:p="http://schemas.openxmlformats.org/presentationml/2006/main">
-  <p:cSld>
-    <p:spTree>
-      <p:nvGrpSpPr>
-        <p:cNvPr id="1" name=""/>
-        <p:cNvGrpSpPr/>
-        <p:nvPr/>
-      </p:nvGrpSpPr>
-      <p:grpSpPr>
-        <a:xfrm>
-          <a:off x="0" y="0"/>
-          <a:ext cx="0" cy="0"/>
-          <a:chOff x="0" y="0"/>
-          <a:chExt cx="0" cy="0"/>
-        </a:xfrm>
-      </p:grpSpPr>
-      <p:sp>
-        <p:nvSpPr>
-          <p:cNvPr id="2" name="Titre 1">
-            <a:extLst>
-              <a:ext uri="{FF2B5EF4-FFF2-40B4-BE49-F238E27FC236}">
-                <a16:creationId xmlns:a16="http://schemas.microsoft.com/office/drawing/2014/main" id="{DD7C8BFF-90A8-4CB7-960B-63DF46971334}"/>
-              </a:ext>
-            </a:extLst>
-          </p:cNvPr>
-          <p:cNvSpPr>
-            <a:spLocks noGrp="1"/>
-          </p:cNvSpPr>
-          <p:nvPr>
-            <p:ph type="title"/>
-          </p:nvPr>
-        </p:nvSpPr>
-        <p:spPr/>
-        <p:txBody>
-          <a:bodyPr/>
-          <a:lstStyle/>
-          <a:p>
-            <a:r>
-              <a:rPr lang="fr-FR" dirty="0"/>
-              <a:t>Diagramme d’exigence du projet</a:t>
-            </a:r>
-          </a:p>
-        </p:txBody>
-      </p:sp>
-      <p:pic>
-        <p:nvPicPr>
-          <p:cNvPr id="6" name="Image 5">
-            <a:extLst>
-              <a:ext uri="{FF2B5EF4-FFF2-40B4-BE49-F238E27FC236}">
-                <a16:creationId xmlns:a16="http://schemas.microsoft.com/office/drawing/2014/main" id="{3C74F280-E597-471B-8CD0-268B0E585E6C}"/>
-              </a:ext>
-            </a:extLst>
-          </p:cNvPr>
-          <p:cNvPicPr>
-            <a:picLocks noChangeAspect="1"/>
-          </p:cNvPicPr>
-          <p:nvPr/>
-        </p:nvPicPr>
-        <p:blipFill>
-          <a:blip r:embed="rId2"/>
-          <a:stretch>
-            <a:fillRect/>
-          </a:stretch>
-        </p:blipFill>
-        <p:spPr>
-          <a:xfrm>
-            <a:off x="3090198" y="2116558"/>
-            <a:ext cx="5283472" cy="4216617"/>
-          </a:xfrm>
-          <a:prstGeom prst="rect">
-            <a:avLst/>
-          </a:prstGeom>
-        </p:spPr>
-      </p:pic>
-    </p:spTree>
-    <p:extLst>
-      <p:ext uri="{BB962C8B-B14F-4D97-AF65-F5344CB8AC3E}">
-        <p14:creationId xmlns:p14="http://schemas.microsoft.com/office/powerpoint/2010/main" val="2289715854"/>
-      </p:ext>
-    </p:extLst>
-  </p:cSld>
-  <p:clrMapOvr>
-    <a:masterClrMapping/>
-  </p:clrMapOvr>
-  <mc:AlternateContent xmlns:mc="http://schemas.openxmlformats.org/markup-compatibility/2006">
-    <mc:Choice xmlns:p14="http://schemas.microsoft.com/office/powerpoint/2010/main" Requires="p14">
-      <p:transition spd="slow" p14:dur="3400">
-        <p14:reveal/>
-      </p:transition>
-    </mc:Choice>
-    <mc:Fallback>
-      <p:transition spd="slow">
-        <p:fade/>
-      </p:transition>
-    </mc:Fallback>
-  </mc:AlternateContent>
-</p:sld>
-</file>
-
 <file path=ppt/slides/slide9.xml><?xml version="1.0" encoding="utf-8"?>
 <p:sld xmlns:a="http://schemas.openxmlformats.org/drawingml/2006/main" xmlns:r="http://schemas.openxmlformats.org/officeDocument/2006/relationships" xmlns:p="http://schemas.openxmlformats.org/presentationml/2006/main">
   <p:cSld>
@@ -6972,13 +7021,13 @@
   <p:clrMapOvr>
     <a:masterClrMapping/>
   </p:clrMapOvr>
-  <mc:AlternateContent xmlns:mc="http://schemas.openxmlformats.org/markup-compatibility/2006">
-    <mc:Choice xmlns:p14="http://schemas.microsoft.com/office/powerpoint/2010/main" Requires="p14">
+  <mc:AlternateContent xmlns:mc="http://schemas.openxmlformats.org/markup-compatibility/2006" xmlns:p14="http://schemas.microsoft.com/office/powerpoint/2010/main">
+    <mc:Choice Requires="p14">
       <p:transition spd="slow" p14:dur="3400">
         <p14:reveal/>
       </p:transition>
     </mc:Choice>
-    <mc:Fallback>
+    <mc:Fallback xmlns="">
       <p:transition spd="slow">
         <p:fade/>
       </p:transition>

--- a/Analyse/Hugo/Support Revue 0 Hugo.pptx
+++ b/Analyse/Hugo/Support Revue 0 Hugo.pptx
@@ -7,14 +7,16 @@
   <p:sldIdLst>
     <p:sldId id="256" r:id="rId2"/>
     <p:sldId id="257" r:id="rId3"/>
-    <p:sldId id="263" r:id="rId4"/>
-    <p:sldId id="259" r:id="rId5"/>
-    <p:sldId id="260" r:id="rId6"/>
-    <p:sldId id="261" r:id="rId7"/>
-    <p:sldId id="258" r:id="rId8"/>
-    <p:sldId id="262" r:id="rId9"/>
-    <p:sldId id="264" r:id="rId10"/>
-    <p:sldId id="265" r:id="rId11"/>
+    <p:sldId id="266" r:id="rId4"/>
+    <p:sldId id="263" r:id="rId5"/>
+    <p:sldId id="259" r:id="rId6"/>
+    <p:sldId id="260" r:id="rId7"/>
+    <p:sldId id="261" r:id="rId8"/>
+    <p:sldId id="258" r:id="rId9"/>
+    <p:sldId id="262" r:id="rId10"/>
+    <p:sldId id="264" r:id="rId11"/>
+    <p:sldId id="265" r:id="rId12"/>
+    <p:sldId id="267" r:id="rId13"/>
   </p:sldIdLst>
   <p:sldSz cx="12192000" cy="6858000"/>
   <p:notesSz cx="6858000" cy="9144000"/>
@@ -408,7 +410,7 @@
           <a:p>
             <a:fld id="{EEC496E0-85D6-4C9F-B8AF-FD07868676CE}" type="datetimeFigureOut">
               <a:rPr lang="fr-FR" smtClean="0"/>
-              <a:t>03/03/2022</a:t>
+              <a:t>04/03/2022</a:t>
             </a:fld>
             <a:endParaRPr lang="fr-FR"/>
           </a:p>
@@ -738,7 +740,7 @@
           <a:p>
             <a:fld id="{EEC496E0-85D6-4C9F-B8AF-FD07868676CE}" type="datetimeFigureOut">
               <a:rPr lang="fr-FR" smtClean="0"/>
-              <a:t>03/03/2022</a:t>
+              <a:t>04/03/2022</a:t>
             </a:fld>
             <a:endParaRPr lang="fr-FR"/>
           </a:p>
@@ -1238,7 +1240,7 @@
           <a:p>
             <a:fld id="{EEC496E0-85D6-4C9F-B8AF-FD07868676CE}" type="datetimeFigureOut">
               <a:rPr lang="fr-FR" smtClean="0"/>
-              <a:t>03/03/2022</a:t>
+              <a:t>04/03/2022</a:t>
             </a:fld>
             <a:endParaRPr lang="fr-FR"/>
           </a:p>
@@ -1619,7 +1621,7 @@
           <a:p>
             <a:fld id="{EEC496E0-85D6-4C9F-B8AF-FD07868676CE}" type="datetimeFigureOut">
               <a:rPr lang="fr-FR" smtClean="0"/>
-              <a:t>03/03/2022</a:t>
+              <a:t>04/03/2022</a:t>
             </a:fld>
             <a:endParaRPr lang="fr-FR"/>
           </a:p>
@@ -1904,7 +1906,7 @@
           <a:p>
             <a:fld id="{EEC496E0-85D6-4C9F-B8AF-FD07868676CE}" type="datetimeFigureOut">
               <a:rPr lang="fr-FR" smtClean="0"/>
-              <a:t>03/03/2022</a:t>
+              <a:t>04/03/2022</a:t>
             </a:fld>
             <a:endParaRPr lang="fr-FR"/>
           </a:p>
@@ -2201,7 +2203,7 @@
           <a:p>
             <a:fld id="{EEC496E0-85D6-4C9F-B8AF-FD07868676CE}" type="datetimeFigureOut">
               <a:rPr lang="fr-FR" smtClean="0"/>
-              <a:t>03/03/2022</a:t>
+              <a:t>04/03/2022</a:t>
             </a:fld>
             <a:endParaRPr lang="fr-FR"/>
           </a:p>
@@ -2496,7 +2498,7 @@
           <a:p>
             <a:fld id="{EEC496E0-85D6-4C9F-B8AF-FD07868676CE}" type="datetimeFigureOut">
               <a:rPr lang="fr-FR" smtClean="0"/>
-              <a:t>03/03/2022</a:t>
+              <a:t>04/03/2022</a:t>
             </a:fld>
             <a:endParaRPr lang="fr-FR"/>
           </a:p>
@@ -2851,7 +2853,7 @@
           <a:p>
             <a:fld id="{EEC496E0-85D6-4C9F-B8AF-FD07868676CE}" type="datetimeFigureOut">
               <a:rPr lang="fr-FR" smtClean="0"/>
-              <a:t>03/03/2022</a:t>
+              <a:t>04/03/2022</a:t>
             </a:fld>
             <a:endParaRPr lang="fr-FR"/>
           </a:p>
@@ -3202,7 +3204,7 @@
           <a:p>
             <a:fld id="{EEC496E0-85D6-4C9F-B8AF-FD07868676CE}" type="datetimeFigureOut">
               <a:rPr lang="fr-FR" smtClean="0"/>
-              <a:t>03/03/2022</a:t>
+              <a:t>04/03/2022</a:t>
             </a:fld>
             <a:endParaRPr lang="fr-FR"/>
           </a:p>
@@ -3691,7 +3693,7 @@
           <a:p>
             <a:fld id="{EEC496E0-85D6-4C9F-B8AF-FD07868676CE}" type="datetimeFigureOut">
               <a:rPr lang="fr-FR" smtClean="0"/>
-              <a:t>03/03/2022</a:t>
+              <a:t>04/03/2022</a:t>
             </a:fld>
             <a:endParaRPr lang="fr-FR"/>
           </a:p>
@@ -3924,7 +3926,7 @@
           <a:p>
             <a:fld id="{EEC496E0-85D6-4C9F-B8AF-FD07868676CE}" type="datetimeFigureOut">
               <a:rPr lang="fr-FR" smtClean="0"/>
-              <a:t>03/03/2022</a:t>
+              <a:t>04/03/2022</a:t>
             </a:fld>
             <a:endParaRPr lang="fr-FR"/>
           </a:p>
@@ -4031,7 +4033,7 @@
           <a:p>
             <a:fld id="{EEC496E0-85D6-4C9F-B8AF-FD07868676CE}" type="datetimeFigureOut">
               <a:rPr lang="fr-FR" smtClean="0"/>
-              <a:t>03/03/2022</a:t>
+              <a:t>04/03/2022</a:t>
             </a:fld>
             <a:endParaRPr lang="fr-FR"/>
           </a:p>
@@ -4510,7 +4512,7 @@
           <a:p>
             <a:fld id="{EEC496E0-85D6-4C9F-B8AF-FD07868676CE}" type="datetimeFigureOut">
               <a:rPr lang="fr-FR" smtClean="0"/>
-              <a:t>03/03/2022</a:t>
+              <a:t>04/03/2022</a:t>
             </a:fld>
             <a:endParaRPr lang="fr-FR"/>
           </a:p>
@@ -4835,7 +4837,7 @@
           <a:p>
             <a:fld id="{EEC496E0-85D6-4C9F-B8AF-FD07868676CE}" type="datetimeFigureOut">
               <a:rPr lang="fr-FR" smtClean="0"/>
-              <a:t>03/03/2022</a:t>
+              <a:t>04/03/2022</a:t>
             </a:fld>
             <a:endParaRPr lang="fr-FR"/>
           </a:p>
@@ -5117,7 +5119,7 @@
           <a:p>
             <a:fld id="{EEC496E0-85D6-4C9F-B8AF-FD07868676CE}" type="datetimeFigureOut">
               <a:rPr lang="fr-FR" smtClean="0"/>
-              <a:t>03/03/2022</a:t>
+              <a:t>04/03/2022</a:t>
             </a:fld>
             <a:endParaRPr lang="fr-FR"/>
           </a:p>
@@ -5636,8 +5638,8 @@
         </p:blipFill>
         <p:spPr bwMode="auto">
           <a:xfrm>
-            <a:off x="923278" y="2491666"/>
-            <a:ext cx="5681708" cy="3787805"/>
+            <a:off x="0" y="1910179"/>
+            <a:ext cx="7421732" cy="4947821"/>
           </a:xfrm>
           <a:prstGeom prst="rect">
             <a:avLst/>
@@ -5668,7 +5670,7 @@
         </p:nvSpPr>
         <p:spPr>
           <a:xfrm>
-            <a:off x="8487051" y="6550223"/>
+            <a:off x="7421732" y="6550223"/>
             <a:ext cx="3844031" cy="307777"/>
           </a:xfrm>
           <a:prstGeom prst="rect">
@@ -5736,7 +5738,7 @@
           <p:cNvPr id="2" name="Titre 1">
             <a:extLst>
               <a:ext uri="{FF2B5EF4-FFF2-40B4-BE49-F238E27FC236}">
-                <a16:creationId xmlns:a16="http://schemas.microsoft.com/office/drawing/2014/main" id="{147BC163-2714-4B4F-93C8-D954013105CB}"/>
+                <a16:creationId xmlns:a16="http://schemas.microsoft.com/office/drawing/2014/main" id="{55349672-E857-4BA0-AC09-F8A3A44888C5}"/>
               </a:ext>
             </a:extLst>
           </p:cNvPr>
@@ -5754,7 +5756,7 @@
           <a:p>
             <a:r>
               <a:rPr lang="fr-FR" dirty="0"/>
-              <a:t>Diagramme d’utilisation</a:t>
+              <a:t>Diagrammes de séquences</a:t>
             </a:r>
           </a:p>
         </p:txBody>
@@ -5764,7 +5766,7 @@
           <p:cNvPr id="4" name="Image 3">
             <a:extLst>
               <a:ext uri="{FF2B5EF4-FFF2-40B4-BE49-F238E27FC236}">
-                <a16:creationId xmlns:a16="http://schemas.microsoft.com/office/drawing/2014/main" id="{4BF8E160-EA7E-4123-A227-5287D52008D7}"/>
+                <a16:creationId xmlns:a16="http://schemas.microsoft.com/office/drawing/2014/main" id="{21303DE0-A320-4040-9861-4F61DC177B89}"/>
               </a:ext>
             </a:extLst>
           </p:cNvPr>
@@ -5781,8 +5783,138 @@
         </p:blipFill>
         <p:spPr>
           <a:xfrm>
-            <a:off x="987651" y="2288677"/>
-            <a:ext cx="10394347" cy="4394478"/>
+            <a:off x="133102" y="2453183"/>
+            <a:ext cx="5729770" cy="3953221"/>
+          </a:xfrm>
+          <a:prstGeom prst="rect">
+            <a:avLst/>
+          </a:prstGeom>
+        </p:spPr>
+      </p:pic>
+      <p:pic>
+        <p:nvPicPr>
+          <p:cNvPr id="7" name="Image 6">
+            <a:extLst>
+              <a:ext uri="{FF2B5EF4-FFF2-40B4-BE49-F238E27FC236}">
+                <a16:creationId xmlns:a16="http://schemas.microsoft.com/office/drawing/2014/main" id="{5DFEE847-A548-49CA-9438-7F5623EF2B17}"/>
+              </a:ext>
+            </a:extLst>
+          </p:cNvPr>
+          <p:cNvPicPr>
+            <a:picLocks noChangeAspect="1"/>
+          </p:cNvPicPr>
+          <p:nvPr/>
+        </p:nvPicPr>
+        <p:blipFill>
+          <a:blip r:embed="rId3"/>
+          <a:stretch>
+            <a:fillRect/>
+          </a:stretch>
+        </p:blipFill>
+        <p:spPr>
+          <a:xfrm>
+            <a:off x="6220889" y="2453183"/>
+            <a:ext cx="5838009" cy="3953220"/>
+          </a:xfrm>
+          <a:prstGeom prst="rect">
+            <a:avLst/>
+          </a:prstGeom>
+        </p:spPr>
+      </p:pic>
+    </p:spTree>
+    <p:extLst>
+      <p:ext uri="{BB962C8B-B14F-4D97-AF65-F5344CB8AC3E}">
+        <p14:creationId xmlns:p14="http://schemas.microsoft.com/office/powerpoint/2010/main" val="841150239"/>
+      </p:ext>
+    </p:extLst>
+  </p:cSld>
+  <p:clrMapOvr>
+    <a:masterClrMapping/>
+  </p:clrMapOvr>
+  <mc:AlternateContent xmlns:mc="http://schemas.openxmlformats.org/markup-compatibility/2006" xmlns:p14="http://schemas.microsoft.com/office/powerpoint/2010/main">
+    <mc:Choice Requires="p14">
+      <p:transition spd="slow" p14:dur="3400">
+        <p14:reveal/>
+      </p:transition>
+    </mc:Choice>
+    <mc:Fallback xmlns="">
+      <p:transition spd="slow">
+        <p:fade/>
+      </p:transition>
+    </mc:Fallback>
+  </mc:AlternateContent>
+</p:sld>
+</file>
+
+<file path=ppt/slides/slide11.xml><?xml version="1.0" encoding="utf-8"?>
+<p:sld xmlns:a="http://schemas.openxmlformats.org/drawingml/2006/main" xmlns:r="http://schemas.openxmlformats.org/officeDocument/2006/relationships" xmlns:p="http://schemas.openxmlformats.org/presentationml/2006/main">
+  <p:cSld>
+    <p:spTree>
+      <p:nvGrpSpPr>
+        <p:cNvPr id="1" name=""/>
+        <p:cNvGrpSpPr/>
+        <p:nvPr/>
+      </p:nvGrpSpPr>
+      <p:grpSpPr>
+        <a:xfrm>
+          <a:off x="0" y="0"/>
+          <a:ext cx="0" cy="0"/>
+          <a:chOff x="0" y="0"/>
+          <a:chExt cx="0" cy="0"/>
+        </a:xfrm>
+      </p:grpSpPr>
+      <p:sp>
+        <p:nvSpPr>
+          <p:cNvPr id="2" name="Titre 1">
+            <a:extLst>
+              <a:ext uri="{FF2B5EF4-FFF2-40B4-BE49-F238E27FC236}">
+                <a16:creationId xmlns:a16="http://schemas.microsoft.com/office/drawing/2014/main" id="{147BC163-2714-4B4F-93C8-D954013105CB}"/>
+              </a:ext>
+            </a:extLst>
+          </p:cNvPr>
+          <p:cNvSpPr>
+            <a:spLocks noGrp="1"/>
+          </p:cNvSpPr>
+          <p:nvPr>
+            <p:ph type="title"/>
+          </p:nvPr>
+        </p:nvSpPr>
+        <p:spPr/>
+        <p:txBody>
+          <a:bodyPr/>
+          <a:lstStyle/>
+          <a:p>
+            <a:r>
+              <a:rPr lang="fr-FR" dirty="0"/>
+              <a:t>Diagramme d’utilisation</a:t>
+            </a:r>
+          </a:p>
+        </p:txBody>
+      </p:sp>
+      <p:pic>
+        <p:nvPicPr>
+          <p:cNvPr id="5" name="Image 4">
+            <a:extLst>
+              <a:ext uri="{FF2B5EF4-FFF2-40B4-BE49-F238E27FC236}">
+                <a16:creationId xmlns:a16="http://schemas.microsoft.com/office/drawing/2014/main" id="{1B1BFA4D-07BA-4578-B772-0802106A29D5}"/>
+              </a:ext>
+            </a:extLst>
+          </p:cNvPr>
+          <p:cNvPicPr>
+            <a:picLocks noChangeAspect="1"/>
+          </p:cNvPicPr>
+          <p:nvPr/>
+        </p:nvPicPr>
+        <p:blipFill>
+          <a:blip r:embed="rId2"/>
+          <a:stretch>
+            <a:fillRect/>
+          </a:stretch>
+        </p:blipFill>
+        <p:spPr>
+          <a:xfrm>
+            <a:off x="5150897" y="332131"/>
+            <a:ext cx="6117167" cy="6193738"/>
           </a:xfrm>
           <a:prstGeom prst="rect">
             <a:avLst/>
@@ -5793,6 +5925,107 @@
     <p:extLst>
       <p:ext uri="{BB962C8B-B14F-4D97-AF65-F5344CB8AC3E}">
         <p14:creationId xmlns:p14="http://schemas.microsoft.com/office/powerpoint/2010/main" val="775337358"/>
+      </p:ext>
+    </p:extLst>
+  </p:cSld>
+  <p:clrMapOvr>
+    <a:masterClrMapping/>
+  </p:clrMapOvr>
+  <mc:AlternateContent xmlns:mc="http://schemas.openxmlformats.org/markup-compatibility/2006" xmlns:p14="http://schemas.microsoft.com/office/powerpoint/2010/main">
+    <mc:Choice Requires="p14">
+      <p:transition spd="slow" p14:dur="3400">
+        <p14:reveal/>
+      </p:transition>
+    </mc:Choice>
+    <mc:Fallback xmlns="">
+      <p:transition spd="slow">
+        <p:fade/>
+      </p:transition>
+    </mc:Fallback>
+  </mc:AlternateContent>
+</p:sld>
+</file>
+
+<file path=ppt/slides/slide12.xml><?xml version="1.0" encoding="utf-8"?>
+<p:sld xmlns:a="http://schemas.openxmlformats.org/drawingml/2006/main" xmlns:r="http://schemas.openxmlformats.org/officeDocument/2006/relationships" xmlns:p="http://schemas.openxmlformats.org/presentationml/2006/main">
+  <p:cSld>
+    <p:spTree>
+      <p:nvGrpSpPr>
+        <p:cNvPr id="1" name=""/>
+        <p:cNvGrpSpPr/>
+        <p:nvPr/>
+      </p:nvGrpSpPr>
+      <p:grpSpPr>
+        <a:xfrm>
+          <a:off x="0" y="0"/>
+          <a:ext cx="0" cy="0"/>
+          <a:chOff x="0" y="0"/>
+          <a:chExt cx="0" cy="0"/>
+        </a:xfrm>
+      </p:grpSpPr>
+      <p:sp>
+        <p:nvSpPr>
+          <p:cNvPr id="5" name="Titre 4">
+            <a:extLst>
+              <a:ext uri="{FF2B5EF4-FFF2-40B4-BE49-F238E27FC236}">
+                <a16:creationId xmlns:a16="http://schemas.microsoft.com/office/drawing/2014/main" id="{16F01828-5920-4CF4-A402-0BD4A949646E}"/>
+              </a:ext>
+            </a:extLst>
+          </p:cNvPr>
+          <p:cNvSpPr>
+            <a:spLocks noGrp="1"/>
+          </p:cNvSpPr>
+          <p:nvPr>
+            <p:ph type="title"/>
+          </p:nvPr>
+        </p:nvSpPr>
+        <p:spPr/>
+        <p:txBody>
+          <a:bodyPr/>
+          <a:lstStyle/>
+          <a:p>
+            <a:pPr algn="ctr"/>
+            <a:r>
+              <a:rPr lang="fr-FR" dirty="0"/>
+              <a:t>Objectifs à venir</a:t>
+            </a:r>
+          </a:p>
+        </p:txBody>
+      </p:sp>
+      <p:pic>
+        <p:nvPicPr>
+          <p:cNvPr id="7" name="Image 6">
+            <a:extLst>
+              <a:ext uri="{FF2B5EF4-FFF2-40B4-BE49-F238E27FC236}">
+                <a16:creationId xmlns:a16="http://schemas.microsoft.com/office/drawing/2014/main" id="{4EE57B6D-7DBB-46D7-9B3A-D3C4BE92B3F0}"/>
+              </a:ext>
+            </a:extLst>
+          </p:cNvPr>
+          <p:cNvPicPr>
+            <a:picLocks noChangeAspect="1"/>
+          </p:cNvPicPr>
+          <p:nvPr/>
+        </p:nvPicPr>
+        <p:blipFill>
+          <a:blip r:embed="rId2"/>
+          <a:stretch>
+            <a:fillRect/>
+          </a:stretch>
+        </p:blipFill>
+        <p:spPr>
+          <a:xfrm>
+            <a:off x="1320553" y="2492661"/>
+            <a:ext cx="9550891" cy="3918151"/>
+          </a:xfrm>
+          <a:prstGeom prst="rect">
+            <a:avLst/>
+          </a:prstGeom>
+        </p:spPr>
+      </p:pic>
+    </p:spTree>
+    <p:extLst>
+      <p:ext uri="{BB962C8B-B14F-4D97-AF65-F5344CB8AC3E}">
+        <p14:creationId xmlns:p14="http://schemas.microsoft.com/office/powerpoint/2010/main" val="1142596693"/>
       </p:ext>
     </p:extLst>
   </p:cSld>
@@ -5861,10 +6094,10 @@
       </p:sp>
       <p:pic>
         <p:nvPicPr>
-          <p:cNvPr id="11" name="Image 10">
+          <p:cNvPr id="4" name="Image 3">
             <a:extLst>
               <a:ext uri="{FF2B5EF4-FFF2-40B4-BE49-F238E27FC236}">
-                <a16:creationId xmlns:a16="http://schemas.microsoft.com/office/drawing/2014/main" id="{48539BF8-FBCC-462D-B4BF-6023241426C9}"/>
+                <a16:creationId xmlns:a16="http://schemas.microsoft.com/office/drawing/2014/main" id="{B69F6A2B-BEAF-43B8-AAB0-4518A6473B37}"/>
               </a:ext>
             </a:extLst>
           </p:cNvPr>
@@ -5881,8 +6114,8 @@
         </p:blipFill>
         <p:spPr>
           <a:xfrm>
-            <a:off x="3068587" y="2122553"/>
-            <a:ext cx="6959019" cy="3940857"/>
+            <a:off x="3461088" y="1977053"/>
+            <a:ext cx="7849064" cy="4765748"/>
           </a:xfrm>
           <a:prstGeom prst="rect">
             <a:avLst/>
@@ -5931,40 +6164,12 @@
           <a:chExt cx="0" cy="0"/>
         </a:xfrm>
       </p:grpSpPr>
-      <p:sp>
-        <p:nvSpPr>
-          <p:cNvPr id="2" name="Titre 1">
+      <p:pic>
+        <p:nvPicPr>
+          <p:cNvPr id="4" name="Image 3">
             <a:extLst>
               <a:ext uri="{FF2B5EF4-FFF2-40B4-BE49-F238E27FC236}">
-                <a16:creationId xmlns:a16="http://schemas.microsoft.com/office/drawing/2014/main" id="{DD7C8BFF-90A8-4CB7-960B-63DF46971334}"/>
-              </a:ext>
-            </a:extLst>
-          </p:cNvPr>
-          <p:cNvSpPr>
-            <a:spLocks noGrp="1"/>
-          </p:cNvSpPr>
-          <p:nvPr>
-            <p:ph type="title"/>
-          </p:nvPr>
-        </p:nvSpPr>
-        <p:spPr/>
-        <p:txBody>
-          <a:bodyPr/>
-          <a:lstStyle/>
-          <a:p>
-            <a:r>
-              <a:rPr lang="fr-FR" dirty="0"/>
-              <a:t>Diagramme d’exigence du projet</a:t>
-            </a:r>
-          </a:p>
-        </p:txBody>
-      </p:sp>
-      <p:pic>
-        <p:nvPicPr>
-          <p:cNvPr id="7" name="Image 6">
-            <a:extLst>
-              <a:ext uri="{FF2B5EF4-FFF2-40B4-BE49-F238E27FC236}">
-                <a16:creationId xmlns:a16="http://schemas.microsoft.com/office/drawing/2014/main" id="{26621F93-1236-4C44-9C64-AE35645E9CAF}"/>
+                <a16:creationId xmlns:a16="http://schemas.microsoft.com/office/drawing/2014/main" id="{FEA7659C-B769-4297-A2E8-D78CC5A111A4}"/>
               </a:ext>
             </a:extLst>
           </p:cNvPr>
@@ -5981,8 +6186,216 @@
         </p:blipFill>
         <p:spPr>
           <a:xfrm>
-            <a:off x="88837" y="2755550"/>
-            <a:ext cx="12014324" cy="3280835"/>
+            <a:off x="936469" y="744162"/>
+            <a:ext cx="10107351" cy="5263768"/>
+          </a:xfrm>
+          <a:prstGeom prst="rect">
+            <a:avLst/>
+          </a:prstGeom>
+        </p:spPr>
+      </p:pic>
+      <p:sp>
+        <p:nvSpPr>
+          <p:cNvPr id="5" name="Rectangle 4">
+            <a:extLst>
+              <a:ext uri="{FF2B5EF4-FFF2-40B4-BE49-F238E27FC236}">
+                <a16:creationId xmlns:a16="http://schemas.microsoft.com/office/drawing/2014/main" id="{416B7DC2-054C-4393-B07F-252089627D96}"/>
+              </a:ext>
+            </a:extLst>
+          </p:cNvPr>
+          <p:cNvSpPr/>
+          <p:nvPr/>
+        </p:nvSpPr>
+        <p:spPr>
+          <a:xfrm>
+            <a:off x="7350711" y="1802167"/>
+            <a:ext cx="3045040" cy="2192784"/>
+          </a:xfrm>
+          <a:prstGeom prst="rect">
+            <a:avLst/>
+          </a:prstGeom>
+          <a:solidFill>
+            <a:schemeClr val="tx1"/>
+          </a:solidFill>
+          <a:ln>
+            <a:solidFill>
+              <a:schemeClr val="tx1"/>
+            </a:solidFill>
+          </a:ln>
+        </p:spPr>
+        <p:style>
+          <a:lnRef idx="2">
+            <a:schemeClr val="accent1">
+              <a:shade val="50000"/>
+            </a:schemeClr>
+          </a:lnRef>
+          <a:fillRef idx="1">
+            <a:schemeClr val="accent1"/>
+          </a:fillRef>
+          <a:effectRef idx="0">
+            <a:schemeClr val="accent1"/>
+          </a:effectRef>
+          <a:fontRef idx="minor">
+            <a:schemeClr val="lt1"/>
+          </a:fontRef>
+        </p:style>
+        <p:txBody>
+          <a:bodyPr rtlCol="0" anchor="ctr"/>
+          <a:lstStyle/>
+          <a:p>
+            <a:pPr algn="ctr"/>
+            <a:endParaRPr lang="fr-FR"/>
+          </a:p>
+        </p:txBody>
+      </p:sp>
+      <p:sp>
+        <p:nvSpPr>
+          <p:cNvPr id="6" name="Rectangle 5">
+            <a:extLst>
+              <a:ext uri="{FF2B5EF4-FFF2-40B4-BE49-F238E27FC236}">
+                <a16:creationId xmlns:a16="http://schemas.microsoft.com/office/drawing/2014/main" id="{B4E2CADA-F6D0-481E-B4AB-87C220AF2F6E}"/>
+              </a:ext>
+            </a:extLst>
+          </p:cNvPr>
+          <p:cNvSpPr/>
+          <p:nvPr/>
+        </p:nvSpPr>
+        <p:spPr>
+          <a:xfrm>
+            <a:off x="8568431" y="3725244"/>
+            <a:ext cx="2386614" cy="2192784"/>
+          </a:xfrm>
+          <a:prstGeom prst="rect">
+            <a:avLst/>
+          </a:prstGeom>
+          <a:solidFill>
+            <a:schemeClr val="tx1"/>
+          </a:solidFill>
+          <a:ln>
+            <a:solidFill>
+              <a:schemeClr val="tx1"/>
+            </a:solidFill>
+          </a:ln>
+        </p:spPr>
+        <p:style>
+          <a:lnRef idx="2">
+            <a:schemeClr val="accent1">
+              <a:shade val="50000"/>
+            </a:schemeClr>
+          </a:lnRef>
+          <a:fillRef idx="1">
+            <a:schemeClr val="accent1"/>
+          </a:fillRef>
+          <a:effectRef idx="0">
+            <a:schemeClr val="accent1"/>
+          </a:effectRef>
+          <a:fontRef idx="minor">
+            <a:schemeClr val="lt1"/>
+          </a:fontRef>
+        </p:style>
+        <p:txBody>
+          <a:bodyPr rtlCol="0" anchor="ctr"/>
+          <a:lstStyle/>
+          <a:p>
+            <a:pPr algn="ctr"/>
+            <a:endParaRPr lang="fr-FR"/>
+          </a:p>
+        </p:txBody>
+      </p:sp>
+    </p:spTree>
+    <p:extLst>
+      <p:ext uri="{BB962C8B-B14F-4D97-AF65-F5344CB8AC3E}">
+        <p14:creationId xmlns:p14="http://schemas.microsoft.com/office/powerpoint/2010/main" val="1034262658"/>
+      </p:ext>
+    </p:extLst>
+  </p:cSld>
+  <p:clrMapOvr>
+    <a:masterClrMapping/>
+  </p:clrMapOvr>
+  <mc:AlternateContent xmlns:mc="http://schemas.openxmlformats.org/markup-compatibility/2006" xmlns:p14="http://schemas.microsoft.com/office/powerpoint/2010/main">
+    <mc:Choice Requires="p14">
+      <p:transition spd="slow" p14:dur="3400">
+        <p14:reveal/>
+      </p:transition>
+    </mc:Choice>
+    <mc:Fallback xmlns="">
+      <p:transition spd="slow">
+        <p:fade/>
+      </p:transition>
+    </mc:Fallback>
+  </mc:AlternateContent>
+</p:sld>
+</file>
+
+<file path=ppt/slides/slide4.xml><?xml version="1.0" encoding="utf-8"?>
+<p:sld xmlns:a="http://schemas.openxmlformats.org/drawingml/2006/main" xmlns:r="http://schemas.openxmlformats.org/officeDocument/2006/relationships" xmlns:p="http://schemas.openxmlformats.org/presentationml/2006/main">
+  <p:cSld>
+    <p:spTree>
+      <p:nvGrpSpPr>
+        <p:cNvPr id="1" name=""/>
+        <p:cNvGrpSpPr/>
+        <p:nvPr/>
+      </p:nvGrpSpPr>
+      <p:grpSpPr>
+        <a:xfrm>
+          <a:off x="0" y="0"/>
+          <a:ext cx="0" cy="0"/>
+          <a:chOff x="0" y="0"/>
+          <a:chExt cx="0" cy="0"/>
+        </a:xfrm>
+      </p:grpSpPr>
+      <p:sp>
+        <p:nvSpPr>
+          <p:cNvPr id="2" name="Titre 1">
+            <a:extLst>
+              <a:ext uri="{FF2B5EF4-FFF2-40B4-BE49-F238E27FC236}">
+                <a16:creationId xmlns:a16="http://schemas.microsoft.com/office/drawing/2014/main" id="{DD7C8BFF-90A8-4CB7-960B-63DF46971334}"/>
+              </a:ext>
+            </a:extLst>
+          </p:cNvPr>
+          <p:cNvSpPr>
+            <a:spLocks noGrp="1"/>
+          </p:cNvSpPr>
+          <p:nvPr>
+            <p:ph type="title"/>
+          </p:nvPr>
+        </p:nvSpPr>
+        <p:spPr/>
+        <p:txBody>
+          <a:bodyPr/>
+          <a:lstStyle/>
+          <a:p>
+            <a:r>
+              <a:rPr lang="fr-FR" dirty="0"/>
+              <a:t>Diagramme d’exigence simplifié du projet</a:t>
+            </a:r>
+          </a:p>
+        </p:txBody>
+      </p:sp>
+      <p:pic>
+        <p:nvPicPr>
+          <p:cNvPr id="4" name="Image 3">
+            <a:extLst>
+              <a:ext uri="{FF2B5EF4-FFF2-40B4-BE49-F238E27FC236}">
+                <a16:creationId xmlns:a16="http://schemas.microsoft.com/office/drawing/2014/main" id="{55D7ECE0-7E65-47E5-A919-3C534488574A}"/>
+              </a:ext>
+            </a:extLst>
+          </p:cNvPr>
+          <p:cNvPicPr>
+            <a:picLocks noChangeAspect="1"/>
+          </p:cNvPicPr>
+          <p:nvPr/>
+        </p:nvPicPr>
+        <p:blipFill>
+          <a:blip r:embed="rId2"/>
+          <a:stretch>
+            <a:fillRect/>
+          </a:stretch>
+        </p:blipFill>
+        <p:spPr>
+          <a:xfrm>
+            <a:off x="72501" y="2490710"/>
+            <a:ext cx="12046998" cy="3378258"/>
           </a:xfrm>
           <a:prstGeom prst="rect">
             <a:avLst/>
@@ -6014,7 +6427,7 @@
 </p:sld>
 </file>
 
-<file path=ppt/slides/slide4.xml><?xml version="1.0" encoding="utf-8"?>
+<file path=ppt/slides/slide5.xml><?xml version="1.0" encoding="utf-8"?>
 <p:sld xmlns:a="http://schemas.openxmlformats.org/drawingml/2006/main" xmlns:r="http://schemas.openxmlformats.org/officeDocument/2006/relationships" xmlns:p="http://schemas.openxmlformats.org/presentationml/2006/main">
   <p:cSld>
     <p:spTree>
@@ -6116,7 +6529,7 @@
 </p:sld>
 </file>
 
-<file path=ppt/slides/slide5.xml><?xml version="1.0" encoding="utf-8"?>
+<file path=ppt/slides/slide6.xml><?xml version="1.0" encoding="utf-8"?>
 <p:sld xmlns:a="http://schemas.openxmlformats.org/drawingml/2006/main" xmlns:r="http://schemas.openxmlformats.org/officeDocument/2006/relationships" xmlns:p="http://schemas.openxmlformats.org/presentationml/2006/main">
   <p:cSld>
     <p:spTree>
@@ -6218,7 +6631,7 @@
 </p:sld>
 </file>
 
-<file path=ppt/slides/slide6.xml><?xml version="1.0" encoding="utf-8"?>
+<file path=ppt/slides/slide7.xml><?xml version="1.0" encoding="utf-8"?>
 <p:sld xmlns:a="http://schemas.openxmlformats.org/drawingml/2006/main" xmlns:r="http://schemas.openxmlformats.org/officeDocument/2006/relationships" xmlns:p="http://schemas.openxmlformats.org/presentationml/2006/main">
   <p:cSld>
     <p:spTree>
@@ -6257,7 +6670,7 @@
         </p:blipFill>
         <p:spPr>
           <a:xfrm>
-            <a:off x="570694" y="1852978"/>
+            <a:off x="366507" y="1852978"/>
             <a:ext cx="11050611" cy="3152044"/>
           </a:xfrm>
           <a:prstGeom prst="rect">
@@ -6290,7 +6703,7 @@
 </p:sld>
 </file>
 
-<file path=ppt/slides/slide7.xml><?xml version="1.0" encoding="utf-8"?>
+<file path=ppt/slides/slide8.xml><?xml version="1.0" encoding="utf-8"?>
 <p:sld xmlns:a="http://schemas.openxmlformats.org/drawingml/2006/main" xmlns:r="http://schemas.openxmlformats.org/officeDocument/2006/relationships" xmlns:p="http://schemas.openxmlformats.org/presentationml/2006/main">
   <p:cSld>
     <p:spTree>
@@ -6337,10 +6750,10 @@
       </p:sp>
       <p:pic>
         <p:nvPicPr>
-          <p:cNvPr id="3" name="Image 2">
+          <p:cNvPr id="4" name="Image 3">
             <a:extLst>
               <a:ext uri="{FF2B5EF4-FFF2-40B4-BE49-F238E27FC236}">
-                <a16:creationId xmlns:a16="http://schemas.microsoft.com/office/drawing/2014/main" id="{172683FE-8A1B-4990-9410-DD1692194C57}"/>
+                <a16:creationId xmlns:a16="http://schemas.microsoft.com/office/drawing/2014/main" id="{17160EF0-30A9-4597-8FDF-2B44E86E8CE8}"/>
               </a:ext>
             </a:extLst>
           </p:cNvPr>
@@ -6357,8 +6770,8 @@
         </p:blipFill>
         <p:spPr>
           <a:xfrm>
-            <a:off x="810000" y="2296745"/>
-            <a:ext cx="10116603" cy="4379262"/>
+            <a:off x="1617868" y="2299234"/>
+            <a:ext cx="10082901" cy="4263239"/>
           </a:xfrm>
           <a:prstGeom prst="rect">
             <a:avLst/>
@@ -6390,7 +6803,7 @@
 </p:sld>
 </file>
 
-<file path=ppt/slides/slide8.xml><?xml version="1.0" encoding="utf-8"?>
+<file path=ppt/slides/slide9.xml><?xml version="1.0" encoding="utf-8"?>
 <p:sld xmlns:a="http://schemas.openxmlformats.org/drawingml/2006/main" xmlns:r="http://schemas.openxmlformats.org/officeDocument/2006/relationships" xmlns:p="http://schemas.openxmlformats.org/presentationml/2006/main">
   <p:cSld>
     <p:spTree>
@@ -6906,136 +7319,6 @@
 </p:sld>
 </file>
 
-<file path=ppt/slides/slide9.xml><?xml version="1.0" encoding="utf-8"?>
-<p:sld xmlns:a="http://schemas.openxmlformats.org/drawingml/2006/main" xmlns:r="http://schemas.openxmlformats.org/officeDocument/2006/relationships" xmlns:p="http://schemas.openxmlformats.org/presentationml/2006/main">
-  <p:cSld>
-    <p:spTree>
-      <p:nvGrpSpPr>
-        <p:cNvPr id="1" name=""/>
-        <p:cNvGrpSpPr/>
-        <p:nvPr/>
-      </p:nvGrpSpPr>
-      <p:grpSpPr>
-        <a:xfrm>
-          <a:off x="0" y="0"/>
-          <a:ext cx="0" cy="0"/>
-          <a:chOff x="0" y="0"/>
-          <a:chExt cx="0" cy="0"/>
-        </a:xfrm>
-      </p:grpSpPr>
-      <p:sp>
-        <p:nvSpPr>
-          <p:cNvPr id="2" name="Titre 1">
-            <a:extLst>
-              <a:ext uri="{FF2B5EF4-FFF2-40B4-BE49-F238E27FC236}">
-                <a16:creationId xmlns:a16="http://schemas.microsoft.com/office/drawing/2014/main" id="{55349672-E857-4BA0-AC09-F8A3A44888C5}"/>
-              </a:ext>
-            </a:extLst>
-          </p:cNvPr>
-          <p:cNvSpPr>
-            <a:spLocks noGrp="1"/>
-          </p:cNvSpPr>
-          <p:nvPr>
-            <p:ph type="title"/>
-          </p:nvPr>
-        </p:nvSpPr>
-        <p:spPr/>
-        <p:txBody>
-          <a:bodyPr/>
-          <a:lstStyle/>
-          <a:p>
-            <a:r>
-              <a:rPr lang="fr-FR" dirty="0"/>
-              <a:t>Diagrammes de séquences</a:t>
-            </a:r>
-          </a:p>
-        </p:txBody>
-      </p:sp>
-      <p:pic>
-        <p:nvPicPr>
-          <p:cNvPr id="4" name="Image 3">
-            <a:extLst>
-              <a:ext uri="{FF2B5EF4-FFF2-40B4-BE49-F238E27FC236}">
-                <a16:creationId xmlns:a16="http://schemas.microsoft.com/office/drawing/2014/main" id="{6DA48C0B-EF59-4C18-9B63-929DFA511A6B}"/>
-              </a:ext>
-            </a:extLst>
-          </p:cNvPr>
-          <p:cNvPicPr>
-            <a:picLocks noChangeAspect="1"/>
-          </p:cNvPicPr>
-          <p:nvPr/>
-        </p:nvPicPr>
-        <p:blipFill>
-          <a:blip r:embed="rId2"/>
-          <a:stretch>
-            <a:fillRect/>
-          </a:stretch>
-        </p:blipFill>
-        <p:spPr>
-          <a:xfrm>
-            <a:off x="421232" y="2358391"/>
-            <a:ext cx="5094044" cy="3898793"/>
-          </a:xfrm>
-          <a:prstGeom prst="rect">
-            <a:avLst/>
-          </a:prstGeom>
-        </p:spPr>
-      </p:pic>
-      <p:pic>
-        <p:nvPicPr>
-          <p:cNvPr id="6" name="Image 5">
-            <a:extLst>
-              <a:ext uri="{FF2B5EF4-FFF2-40B4-BE49-F238E27FC236}">
-                <a16:creationId xmlns:a16="http://schemas.microsoft.com/office/drawing/2014/main" id="{80DF6767-BA16-4E2A-887B-FCA38BB39872}"/>
-              </a:ext>
-            </a:extLst>
-          </p:cNvPr>
-          <p:cNvPicPr>
-            <a:picLocks noChangeAspect="1"/>
-          </p:cNvPicPr>
-          <p:nvPr/>
-        </p:nvPicPr>
-        <p:blipFill>
-          <a:blip r:embed="rId3"/>
-          <a:stretch>
-            <a:fillRect/>
-          </a:stretch>
-        </p:blipFill>
-        <p:spPr>
-          <a:xfrm>
-            <a:off x="6347749" y="2560902"/>
-            <a:ext cx="5423019" cy="3493769"/>
-          </a:xfrm>
-          <a:prstGeom prst="rect">
-            <a:avLst/>
-          </a:prstGeom>
-        </p:spPr>
-      </p:pic>
-    </p:spTree>
-    <p:extLst>
-      <p:ext uri="{BB962C8B-B14F-4D97-AF65-F5344CB8AC3E}">
-        <p14:creationId xmlns:p14="http://schemas.microsoft.com/office/powerpoint/2010/main" val="841150239"/>
-      </p:ext>
-    </p:extLst>
-  </p:cSld>
-  <p:clrMapOvr>
-    <a:masterClrMapping/>
-  </p:clrMapOvr>
-  <mc:AlternateContent xmlns:mc="http://schemas.openxmlformats.org/markup-compatibility/2006" xmlns:p14="http://schemas.microsoft.com/office/powerpoint/2010/main">
-    <mc:Choice Requires="p14">
-      <p:transition spd="slow" p14:dur="3400">
-        <p14:reveal/>
-      </p:transition>
-    </mc:Choice>
-    <mc:Fallback xmlns="">
-      <p:transition spd="slow">
-        <p:fade/>
-      </p:transition>
-    </mc:Fallback>
-  </mc:AlternateContent>
-</p:sld>
-</file>
-
 <file path=ppt/theme/theme1.xml><?xml version="1.0" encoding="utf-8"?>
 <a:theme xmlns:a="http://schemas.openxmlformats.org/drawingml/2006/main" name="Concis">
   <a:themeElements>
